--- a/Unit 5 (Project and Exam)/Report.pptx
+++ b/Unit 5 (Project and Exam)/Report.pptx
@@ -11184,6 +11184,92 @@
           </a:extLst>
         </p:spPr>
       </p:pic>
+      <p:sp>
+        <p:nvSpPr>
+          <p:cNvPr id="5" name="TextBox 4">
+            <a:extLst>
+              <a:ext uri="{FF2B5EF4-FFF2-40B4-BE49-F238E27FC236}">
+                <a16:creationId xmlns:a16="http://schemas.microsoft.com/office/drawing/2014/main" id="{3E9B2F24-7386-C75C-A9E2-B599C8C857F4}"/>
+              </a:ext>
+            </a:extLst>
+          </p:cNvPr>
+          <p:cNvSpPr txBox="1"/>
+          <p:nvPr/>
+        </p:nvSpPr>
+        <p:spPr>
+          <a:xfrm>
+            <a:off x="778885" y="3384539"/>
+            <a:ext cx="2670735" cy="369332"/>
+          </a:xfrm>
+          <a:prstGeom prst="rect">
+            <a:avLst/>
+          </a:prstGeom>
+          <a:noFill/>
+        </p:spPr>
+        <p:txBody>
+          <a:bodyPr wrap="square" rtlCol="0">
+            <a:spAutoFit/>
+          </a:bodyPr>
+          <a:lstStyle/>
+          <a:p>
+            <a:r>
+              <a:rPr lang="en-US" dirty="0">
+                <a:hlinkClick r:id="rId18"/>
+              </a:rPr>
+              <a:t>Repo</a:t>
+            </a:r>
+            <a:r>
+              <a:rPr lang="en-US" dirty="0"/>
+              <a:t> </a:t>
+            </a:r>
+            <a:r>
+              <a:rPr lang="en-US" dirty="0">
+                <a:hlinkClick r:id="rId18"/>
+              </a:rPr>
+              <a:t>URL</a:t>
+            </a:r>
+            <a:endParaRPr lang="en-GB" dirty="0"/>
+          </a:p>
+        </p:txBody>
+      </p:sp>
+      <p:sp>
+        <p:nvSpPr>
+          <p:cNvPr id="14" name="TextBox 13">
+            <a:extLst>
+              <a:ext uri="{FF2B5EF4-FFF2-40B4-BE49-F238E27FC236}">
+                <a16:creationId xmlns:a16="http://schemas.microsoft.com/office/drawing/2014/main" id="{6B5EC39B-2C42-4F1B-A690-69F617545383}"/>
+              </a:ext>
+            </a:extLst>
+          </p:cNvPr>
+          <p:cNvSpPr txBox="1"/>
+          <p:nvPr/>
+        </p:nvSpPr>
+        <p:spPr>
+          <a:xfrm>
+            <a:off x="766287" y="3753871"/>
+            <a:ext cx="1871529" cy="369332"/>
+          </a:xfrm>
+          <a:prstGeom prst="rect">
+            <a:avLst/>
+          </a:prstGeom>
+          <a:noFill/>
+        </p:spPr>
+        <p:txBody>
+          <a:bodyPr wrap="square" rtlCol="0">
+            <a:spAutoFit/>
+          </a:bodyPr>
+          <a:lstStyle/>
+          <a:p>
+            <a:r>
+              <a:rPr lang="en-US" dirty="0">
+                <a:hlinkClick r:id="rId19"/>
+              </a:rPr>
+              <a:t>Report URL</a:t>
+            </a:r>
+            <a:endParaRPr lang="en-GB" dirty="0"/>
+          </a:p>
+        </p:txBody>
+      </p:sp>
     </p:spTree>
     <p:extLst>
       <p:ext uri="{BB962C8B-B14F-4D97-AF65-F5344CB8AC3E}">
@@ -11989,12 +12075,12 @@
 </file>
 
 <file path=customXml/item1.xml><?xml version="1.0" encoding="utf-8"?>
-<?mso-contentType ?>
-<FormTemplates xmlns="http://schemas.microsoft.com/sharepoint/v3/contenttype/forms">
-  <Display>DocumentLibraryForm</Display>
-  <Edit>DocumentLibraryForm</Edit>
-  <New>DocumentLibraryForm</New>
-</FormTemplates>
+<p:properties xmlns:p="http://schemas.microsoft.com/office/2006/metadata/properties" xmlns:xsi="http://www.w3.org/2001/XMLSchema-instance" xmlns:pc="http://schemas.microsoft.com/office/infopath/2007/PartnerControls">
+  <documentManagement>
+    <Status xmlns="71af3243-3dd4-4a8d-8c0d-dd76da1f02a5">Not started</Status>
+    <MediaServiceKeyPoints xmlns="71af3243-3dd4-4a8d-8c0d-dd76da1f02a5" xsi:nil="true"/>
+  </documentManagement>
+</p:properties>
 </file>
 
 <file path=customXml/item2.xml><?xml version="1.0" encoding="utf-8"?>
@@ -12219,18 +12305,20 @@
 </file>
 
 <file path=customXml/item3.xml><?xml version="1.0" encoding="utf-8"?>
-<p:properties xmlns:p="http://schemas.microsoft.com/office/2006/metadata/properties" xmlns:xsi="http://www.w3.org/2001/XMLSchema-instance" xmlns:pc="http://schemas.microsoft.com/office/infopath/2007/PartnerControls">
-  <documentManagement>
-    <Status xmlns="71af3243-3dd4-4a8d-8c0d-dd76da1f02a5">Not started</Status>
-    <MediaServiceKeyPoints xmlns="71af3243-3dd4-4a8d-8c0d-dd76da1f02a5" xsi:nil="true"/>
-  </documentManagement>
-</p:properties>
+<?mso-contentType ?>
+<FormTemplates xmlns="http://schemas.microsoft.com/sharepoint/v3/contenttype/forms">
+  <Display>DocumentLibraryForm</Display>
+  <Edit>DocumentLibraryForm</Edit>
+  <New>DocumentLibraryForm</New>
+</FormTemplates>
 </file>
 
 <file path=customXml/itemProps1.xml><?xml version="1.0" encoding="utf-8"?>
-<ds:datastoreItem xmlns:ds="http://schemas.openxmlformats.org/officeDocument/2006/customXml" ds:itemID="{B927DC71-2909-427C-BDB0-3E47E2101517}">
+<ds:datastoreItem xmlns:ds="http://schemas.openxmlformats.org/officeDocument/2006/customXml" ds:itemID="{290D7697-8E53-4EA8-8CBB-9C19575257BF}">
   <ds:schemaRefs>
-    <ds:schemaRef ds:uri="http://schemas.microsoft.com/sharepoint/v3/contenttype/forms"/>
+    <ds:schemaRef ds:uri="http://schemas.microsoft.com/office/2006/metadata/properties"/>
+    <ds:schemaRef ds:uri="http://schemas.microsoft.com/office/infopath/2007/PartnerControls"/>
+    <ds:schemaRef ds:uri="71af3243-3dd4-4a8d-8c0d-dd76da1f02a5"/>
   </ds:schemaRefs>
 </ds:datastoreItem>
 </file>
@@ -12255,11 +12343,9 @@
 </file>
 
 <file path=customXml/itemProps3.xml><?xml version="1.0" encoding="utf-8"?>
-<ds:datastoreItem xmlns:ds="http://schemas.openxmlformats.org/officeDocument/2006/customXml" ds:itemID="{290D7697-8E53-4EA8-8CBB-9C19575257BF}">
+<ds:datastoreItem xmlns:ds="http://schemas.openxmlformats.org/officeDocument/2006/customXml" ds:itemID="{B927DC71-2909-427C-BDB0-3E47E2101517}">
   <ds:schemaRefs>
-    <ds:schemaRef ds:uri="http://schemas.microsoft.com/office/2006/metadata/properties"/>
-    <ds:schemaRef ds:uri="http://schemas.microsoft.com/office/infopath/2007/PartnerControls"/>
-    <ds:schemaRef ds:uri="71af3243-3dd4-4a8d-8c0d-dd76da1f02a5"/>
+    <ds:schemaRef ds:uri="http://schemas.microsoft.com/sharepoint/v3/contenttype/forms"/>
   </ds:schemaRefs>
 </ds:datastoreItem>
 </file>